--- a/스토리보드/커뮤니티_최아영.pptx
+++ b/스토리보드/커뮤니티_최아영.pptx
@@ -256,7 +256,7 @@
           <a:p>
             <a:fld id="{2A12CD16-C69D-4F3A-B53F-2EBE7CFC0CF4}" type="datetimeFigureOut">
               <a:rPr lang="ko-KR" altLang="en-US" smtClean="0"/>
-              <a:t>2023-03-06</a:t>
+              <a:t>2023-03-24</a:t>
             </a:fld>
             <a:endParaRPr lang="ko-KR" altLang="en-US"/>
           </a:p>
@@ -426,7 +426,7 @@
           <a:p>
             <a:fld id="{2A12CD16-C69D-4F3A-B53F-2EBE7CFC0CF4}" type="datetimeFigureOut">
               <a:rPr lang="ko-KR" altLang="en-US" smtClean="0"/>
-              <a:t>2023-03-06</a:t>
+              <a:t>2023-03-24</a:t>
             </a:fld>
             <a:endParaRPr lang="ko-KR" altLang="en-US"/>
           </a:p>
@@ -606,7 +606,7 @@
           <a:p>
             <a:fld id="{2A12CD16-C69D-4F3A-B53F-2EBE7CFC0CF4}" type="datetimeFigureOut">
               <a:rPr lang="ko-KR" altLang="en-US" smtClean="0"/>
-              <a:t>2023-03-06</a:t>
+              <a:t>2023-03-24</a:t>
             </a:fld>
             <a:endParaRPr lang="ko-KR" altLang="en-US"/>
           </a:p>
@@ -776,7 +776,7 @@
           <a:p>
             <a:fld id="{2A12CD16-C69D-4F3A-B53F-2EBE7CFC0CF4}" type="datetimeFigureOut">
               <a:rPr lang="ko-KR" altLang="en-US" smtClean="0"/>
-              <a:t>2023-03-06</a:t>
+              <a:t>2023-03-24</a:t>
             </a:fld>
             <a:endParaRPr lang="ko-KR" altLang="en-US"/>
           </a:p>
@@ -1022,7 +1022,7 @@
           <a:p>
             <a:fld id="{2A12CD16-C69D-4F3A-B53F-2EBE7CFC0CF4}" type="datetimeFigureOut">
               <a:rPr lang="ko-KR" altLang="en-US" smtClean="0"/>
-              <a:t>2023-03-06</a:t>
+              <a:t>2023-03-24</a:t>
             </a:fld>
             <a:endParaRPr lang="ko-KR" altLang="en-US"/>
           </a:p>
@@ -1254,7 +1254,7 @@
           <a:p>
             <a:fld id="{2A12CD16-C69D-4F3A-B53F-2EBE7CFC0CF4}" type="datetimeFigureOut">
               <a:rPr lang="ko-KR" altLang="en-US" smtClean="0"/>
-              <a:t>2023-03-06</a:t>
+              <a:t>2023-03-24</a:t>
             </a:fld>
             <a:endParaRPr lang="ko-KR" altLang="en-US"/>
           </a:p>
@@ -1621,7 +1621,7 @@
           <a:p>
             <a:fld id="{2A12CD16-C69D-4F3A-B53F-2EBE7CFC0CF4}" type="datetimeFigureOut">
               <a:rPr lang="ko-KR" altLang="en-US" smtClean="0"/>
-              <a:t>2023-03-06</a:t>
+              <a:t>2023-03-24</a:t>
             </a:fld>
             <a:endParaRPr lang="ko-KR" altLang="en-US"/>
           </a:p>
@@ -1739,7 +1739,7 @@
           <a:p>
             <a:fld id="{2A12CD16-C69D-4F3A-B53F-2EBE7CFC0CF4}" type="datetimeFigureOut">
               <a:rPr lang="ko-KR" altLang="en-US" smtClean="0"/>
-              <a:t>2023-03-06</a:t>
+              <a:t>2023-03-24</a:t>
             </a:fld>
             <a:endParaRPr lang="ko-KR" altLang="en-US"/>
           </a:p>
@@ -1834,7 +1834,7 @@
           <a:p>
             <a:fld id="{2A12CD16-C69D-4F3A-B53F-2EBE7CFC0CF4}" type="datetimeFigureOut">
               <a:rPr lang="ko-KR" altLang="en-US" smtClean="0"/>
-              <a:t>2023-03-06</a:t>
+              <a:t>2023-03-24</a:t>
             </a:fld>
             <a:endParaRPr lang="ko-KR" altLang="en-US"/>
           </a:p>
@@ -2111,7 +2111,7 @@
           <a:p>
             <a:fld id="{2A12CD16-C69D-4F3A-B53F-2EBE7CFC0CF4}" type="datetimeFigureOut">
               <a:rPr lang="ko-KR" altLang="en-US" smtClean="0"/>
-              <a:t>2023-03-06</a:t>
+              <a:t>2023-03-24</a:t>
             </a:fld>
             <a:endParaRPr lang="ko-KR" altLang="en-US"/>
           </a:p>
@@ -2364,7 +2364,7 @@
           <a:p>
             <a:fld id="{2A12CD16-C69D-4F3A-B53F-2EBE7CFC0CF4}" type="datetimeFigureOut">
               <a:rPr lang="ko-KR" altLang="en-US" smtClean="0"/>
-              <a:t>2023-03-06</a:t>
+              <a:t>2023-03-24</a:t>
             </a:fld>
             <a:endParaRPr lang="ko-KR" altLang="en-US"/>
           </a:p>
@@ -2577,7 +2577,7 @@
           <a:p>
             <a:fld id="{2A12CD16-C69D-4F3A-B53F-2EBE7CFC0CF4}" type="datetimeFigureOut">
               <a:rPr lang="ko-KR" altLang="en-US" smtClean="0"/>
-              <a:t>2023-03-06</a:t>
+              <a:t>2023-03-24</a:t>
             </a:fld>
             <a:endParaRPr lang="ko-KR" altLang="en-US"/>
           </a:p>
@@ -6970,11 +6970,7 @@
           <a:p>
             <a:r>
               <a:rPr lang="ko-KR" altLang="en-US" sz="800" dirty="0" smtClean="0"/>
-              <a:t>내가 사는 동네</a:t>
-            </a:r>
-            <a:r>
-              <a:rPr lang="ko-KR" altLang="en-US" sz="800" dirty="0" smtClean="0"/>
-              <a:t> </a:t>
+              <a:t>내가 사는 동네 </a:t>
             </a:r>
             <a:endParaRPr lang="ko-KR" altLang="en-US" sz="800" dirty="0"/>
           </a:p>
@@ -10583,11 +10579,7 @@
           <a:p>
             <a:r>
               <a:rPr lang="ko-KR" altLang="en-US" sz="800" dirty="0" smtClean="0"/>
-              <a:t>내가 사는 동네</a:t>
-            </a:r>
-            <a:r>
-              <a:rPr lang="ko-KR" altLang="en-US" sz="800" dirty="0" smtClean="0"/>
-              <a:t> </a:t>
+              <a:t>내가 사는 동네 </a:t>
             </a:r>
             <a:endParaRPr lang="ko-KR" altLang="en-US" sz="800" dirty="0"/>
           </a:p>
@@ -10684,14 +10676,14 @@
           <p:nvPr>
             <p:extLst>
               <p:ext uri="{D42A27DB-BD31-4B8C-83A1-F6EECF244321}">
-                <p14:modId xmlns:p14="http://schemas.microsoft.com/office/powerpoint/2010/main" val="304703893"/>
+                <p14:modId xmlns:p14="http://schemas.microsoft.com/office/powerpoint/2010/main" val="3449946904"/>
               </p:ext>
             </p:extLst>
           </p:nvPr>
         </p:nvGraphicFramePr>
         <p:xfrm>
           <a:off x="1375288" y="1165695"/>
-          <a:ext cx="8159708" cy="4722089"/>
+          <a:ext cx="8159708" cy="4600169"/>
         </p:xfrm>
         <a:graphic>
           <a:graphicData uri="http://schemas.openxmlformats.org/drawingml/2006/table">
@@ -11373,55 +11365,11 @@
                       </a:pPr>
                       <a:r>
                         <a:rPr lang="ko-KR" altLang="en-US" sz="800" dirty="0" smtClean="0"/>
-                        <a:t>년</a:t>
-                      </a:r>
-                      <a:r>
-                        <a:rPr lang="en-US" altLang="ko-KR" sz="800" dirty="0" smtClean="0"/>
-                        <a:t>/</a:t>
+                        <a:t>날짜 </a:t>
                       </a:r>
                       <a:r>
                         <a:rPr lang="ko-KR" altLang="en-US" sz="800" dirty="0" smtClean="0"/>
-                        <a:t>월</a:t>
-                      </a:r>
-                      <a:r>
-                        <a:rPr lang="en-US" altLang="ko-KR" sz="800" dirty="0" smtClean="0"/>
-                        <a:t>/</a:t>
-                      </a:r>
-                      <a:r>
-                        <a:rPr lang="ko-KR" altLang="en-US" sz="800" dirty="0" smtClean="0"/>
-                        <a:t>일</a:t>
-                      </a:r>
-                      <a:r>
-                        <a:rPr lang="en-US" altLang="ko-KR" sz="800" dirty="0" smtClean="0"/>
-                        <a:t>/</a:t>
-                      </a:r>
-                      <a:r>
-                        <a:rPr lang="ko-KR" altLang="en-US" sz="800" dirty="0" smtClean="0"/>
-                        <a:t>시</a:t>
-                      </a:r>
-                      <a:r>
-                        <a:rPr lang="en-US" altLang="ko-KR" sz="800" dirty="0" smtClean="0"/>
-                        <a:t>/</a:t>
-                      </a:r>
-                      <a:r>
-                        <a:rPr lang="ko-KR" altLang="en-US" sz="800" dirty="0" smtClean="0"/>
-                        <a:t>분 </a:t>
-                      </a:r>
-                      <a:r>
-                        <a:rPr lang="en-US" altLang="ko-KR" sz="800" dirty="0" smtClean="0"/>
-                        <a:t>2</a:t>
-                      </a:r>
-                      <a:r>
-                        <a:rPr lang="ko-KR" altLang="en-US" sz="800" dirty="0" smtClean="0"/>
-                        <a:t>자리 날짜</a:t>
-                      </a:r>
-                      <a:r>
-                        <a:rPr lang="en-US" altLang="ko-KR" sz="800" dirty="0" smtClean="0"/>
-                        <a:t>,</a:t>
-                      </a:r>
-                      <a:r>
-                        <a:rPr lang="ko-KR" altLang="en-US" sz="800" dirty="0" smtClean="0"/>
-                        <a:t>시간 출력</a:t>
+                        <a:t>출력</a:t>
                       </a:r>
                       <a:endParaRPr lang="en-US" altLang="ko-KR" sz="800" dirty="0" smtClean="0"/>
                     </a:p>
@@ -15072,11 +15020,7 @@
           <a:p>
             <a:r>
               <a:rPr lang="ko-KR" altLang="en-US" sz="800" dirty="0" smtClean="0"/>
-              <a:t>내가 사는 동네</a:t>
-            </a:r>
-            <a:r>
-              <a:rPr lang="ko-KR" altLang="en-US" sz="800" dirty="0" smtClean="0"/>
-              <a:t> </a:t>
+              <a:t>내가 사는 동네 </a:t>
             </a:r>
             <a:endParaRPr lang="ko-KR" altLang="en-US" sz="800" dirty="0"/>
           </a:p>
@@ -15251,14 +15195,14 @@
           <p:nvPr>
             <p:extLst>
               <p:ext uri="{D42A27DB-BD31-4B8C-83A1-F6EECF244321}">
-                <p14:modId xmlns:p14="http://schemas.microsoft.com/office/powerpoint/2010/main" val="2690800570"/>
+                <p14:modId xmlns:p14="http://schemas.microsoft.com/office/powerpoint/2010/main" val="886956823"/>
               </p:ext>
             </p:extLst>
           </p:nvPr>
         </p:nvGraphicFramePr>
         <p:xfrm>
           <a:off x="1375288" y="1165694"/>
-          <a:ext cx="8159708" cy="4518847"/>
+          <a:ext cx="8159708" cy="4509464"/>
         </p:xfrm>
         <a:graphic>
           <a:graphicData uri="http://schemas.openxmlformats.org/drawingml/2006/table">
@@ -16167,55 +16111,11 @@
                       </a:pPr>
                       <a:r>
                         <a:rPr lang="ko-KR" altLang="en-US" sz="800" dirty="0" smtClean="0"/>
-                        <a:t>년</a:t>
-                      </a:r>
-                      <a:r>
-                        <a:rPr lang="en-US" altLang="ko-KR" sz="800" dirty="0" smtClean="0"/>
-                        <a:t>/</a:t>
+                        <a:t>날짜 </a:t>
                       </a:r>
                       <a:r>
                         <a:rPr lang="ko-KR" altLang="en-US" sz="800" dirty="0" smtClean="0"/>
-                        <a:t>월</a:t>
-                      </a:r>
-                      <a:r>
-                        <a:rPr lang="en-US" altLang="ko-KR" sz="800" dirty="0" smtClean="0"/>
-                        <a:t>/</a:t>
-                      </a:r>
-                      <a:r>
-                        <a:rPr lang="ko-KR" altLang="en-US" sz="800" dirty="0" smtClean="0"/>
-                        <a:t>일</a:t>
-                      </a:r>
-                      <a:r>
-                        <a:rPr lang="en-US" altLang="ko-KR" sz="800" dirty="0" smtClean="0"/>
-                        <a:t>/</a:t>
-                      </a:r>
-                      <a:r>
-                        <a:rPr lang="ko-KR" altLang="en-US" sz="800" dirty="0" smtClean="0"/>
-                        <a:t>시</a:t>
-                      </a:r>
-                      <a:r>
-                        <a:rPr lang="en-US" altLang="ko-KR" sz="800" dirty="0" smtClean="0"/>
-                        <a:t>/</a:t>
-                      </a:r>
-                      <a:r>
-                        <a:rPr lang="ko-KR" altLang="en-US" sz="800" dirty="0" smtClean="0"/>
-                        <a:t>분 </a:t>
-                      </a:r>
-                      <a:r>
-                        <a:rPr lang="en-US" altLang="ko-KR" sz="800" dirty="0" smtClean="0"/>
-                        <a:t>2</a:t>
-                      </a:r>
-                      <a:r>
-                        <a:rPr lang="ko-KR" altLang="en-US" sz="800" dirty="0" smtClean="0"/>
-                        <a:t>자리 날짜</a:t>
-                      </a:r>
-                      <a:r>
-                        <a:rPr lang="en-US" altLang="ko-KR" sz="800" dirty="0" smtClean="0"/>
-                        <a:t>,</a:t>
-                      </a:r>
-                      <a:r>
-                        <a:rPr lang="ko-KR" altLang="en-US" sz="800" dirty="0" smtClean="0"/>
-                        <a:t>시간 출력</a:t>
+                        <a:t>출력</a:t>
                       </a:r>
                       <a:endParaRPr lang="en-US" altLang="ko-KR" sz="800" dirty="0" smtClean="0"/>
                     </a:p>
@@ -16639,7 +16539,7 @@
         </p:nvSpPr>
         <p:spPr>
           <a:xfrm>
-            <a:off x="2573857" y="3538673"/>
+            <a:off x="2897954" y="3522415"/>
             <a:ext cx="962123" cy="215444"/>
           </a:xfrm>
           <a:prstGeom prst="rect">
@@ -16753,7 +16653,7 @@
         </p:nvSpPr>
         <p:spPr>
           <a:xfrm>
-            <a:off x="6805809" y="3338911"/>
+            <a:off x="2521765" y="3513986"/>
             <a:ext cx="492443" cy="215444"/>
           </a:xfrm>
           <a:prstGeom prst="rect">
@@ -17797,11 +17697,7 @@
           <a:p>
             <a:r>
               <a:rPr lang="ko-KR" altLang="en-US" sz="800" dirty="0" smtClean="0"/>
-              <a:t>내가 사는 동네</a:t>
-            </a:r>
-            <a:r>
-              <a:rPr lang="ko-KR" altLang="en-US" sz="800" dirty="0" smtClean="0"/>
-              <a:t> </a:t>
+              <a:t>내가 사는 동네 </a:t>
             </a:r>
             <a:endParaRPr lang="ko-KR" altLang="en-US" sz="800" dirty="0"/>
           </a:p>
@@ -17898,7 +17794,7 @@
           <p:nvPr>
             <p:extLst>
               <p:ext uri="{D42A27DB-BD31-4B8C-83A1-F6EECF244321}">
-                <p14:modId xmlns:p14="http://schemas.microsoft.com/office/powerpoint/2010/main" val="3244648094"/>
+                <p14:modId xmlns:p14="http://schemas.microsoft.com/office/powerpoint/2010/main" val="3125233461"/>
               </p:ext>
             </p:extLst>
           </p:nvPr>
@@ -18563,6 +18459,44 @@
                     <a:lstStyle/>
                     <a:p>
                       <a:pPr latinLnBrk="1"/>
+                      <a:r>
+                        <a:rPr lang="ko-KR" altLang="en-US" sz="800" dirty="0" smtClean="0"/>
+                        <a:t>페이지 번호</a:t>
+                      </a:r>
+                      <a:endParaRPr lang="en-US" altLang="ko-KR" sz="800" dirty="0" smtClean="0"/>
+                    </a:p>
+                    <a:p>
+                      <a:pPr marL="171450" indent="-171450" latinLnBrk="1">
+                        <a:buFontTx/>
+                        <a:buChar char="-"/>
+                      </a:pPr>
+                      <a:r>
+                        <a:rPr lang="en-US" altLang="ko-KR" sz="800" baseline="0" dirty="0" smtClean="0"/>
+                        <a:t>10</a:t>
+                      </a:r>
+                      <a:r>
+                        <a:rPr lang="ko-KR" altLang="en-US" sz="800" baseline="0" dirty="0" smtClean="0"/>
+                        <a:t>개씩 출력 되도록 페이지 번호 계산</a:t>
+                      </a:r>
+                      <a:endParaRPr lang="en-US" altLang="ko-KR" sz="800" baseline="0" dirty="0" smtClean="0"/>
+                    </a:p>
+                    <a:p>
+                      <a:pPr marL="171450" indent="-171450" latinLnBrk="1">
+                        <a:buFontTx/>
+                        <a:buChar char="-"/>
+                      </a:pPr>
+                      <a:r>
+                        <a:rPr lang="ko-KR" altLang="en-US" sz="800" baseline="0" dirty="0" err="1" smtClean="0"/>
+                        <a:t>최신등록순</a:t>
+                      </a:r>
+                      <a:r>
+                        <a:rPr lang="ko-KR" altLang="en-US" sz="800" baseline="0" dirty="0" smtClean="0"/>
+                        <a:t> 출력</a:t>
+                      </a:r>
+                      <a:endParaRPr lang="ko-KR" altLang="en-US" sz="800" dirty="0" smtClean="0"/>
+                    </a:p>
+                    <a:p>
+                      <a:pPr latinLnBrk="1"/>
                       <a:endParaRPr lang="ko-KR" altLang="en-US" sz="800" dirty="0"/>
                     </a:p>
                   </a:txBody>
@@ -18647,10 +18581,6 @@
                     <a:lstStyle/>
                     <a:p>
                       <a:pPr latinLnBrk="1"/>
-                      <a:r>
-                        <a:rPr lang="en-US" altLang="ko-KR" sz="1100" dirty="0" smtClean="0"/>
-                        <a:t>2</a:t>
-                      </a:r>
                       <a:endParaRPr lang="ko-KR" altLang="en-US" sz="1100" dirty="0"/>
                     </a:p>
                   </a:txBody>
@@ -18746,10 +18676,6 @@
                     <a:lstStyle/>
                     <a:p>
                       <a:pPr latinLnBrk="1"/>
-                      <a:r>
-                        <a:rPr lang="en-US" altLang="ko-KR" sz="1100" dirty="0" smtClean="0"/>
-                        <a:t>3</a:t>
-                      </a:r>
                       <a:endParaRPr lang="ko-KR" altLang="en-US" sz="1100" dirty="0"/>
                     </a:p>
                   </a:txBody>
@@ -20093,6 +20019,95 @@
               <a:t>삭제</a:t>
             </a:r>
             <a:endParaRPr lang="ko-KR" altLang="en-US" sz="800" dirty="0"/>
+          </a:p>
+        </p:txBody>
+      </p:sp>
+      <p:sp>
+        <p:nvSpPr>
+          <p:cNvPr id="46" name="TextBox 45"/>
+          <p:cNvSpPr txBox="1"/>
+          <p:nvPr/>
+        </p:nvSpPr>
+        <p:spPr>
+          <a:xfrm>
+            <a:off x="3951809" y="4753676"/>
+            <a:ext cx="1617751" cy="215444"/>
+          </a:xfrm>
+          <a:prstGeom prst="rect">
+            <a:avLst/>
+          </a:prstGeom>
+          <a:noFill/>
+        </p:spPr>
+        <p:txBody>
+          <a:bodyPr wrap="none" rtlCol="0">
+            <a:spAutoFit/>
+          </a:bodyPr>
+          <a:lstStyle/>
+          <a:p>
+            <a:r>
+              <a:rPr lang="ko-KR" altLang="en-US" sz="800" dirty="0" smtClean="0"/>
+              <a:t>이전 </a:t>
+            </a:r>
+            <a:r>
+              <a:rPr lang="en-US" altLang="ko-KR" sz="800" dirty="0" smtClean="0"/>
+              <a:t>1 2 3 4 5 6 7 8 9 10 </a:t>
+            </a:r>
+            <a:r>
+              <a:rPr lang="ko-KR" altLang="en-US" sz="800" dirty="0" smtClean="0"/>
+              <a:t>다음</a:t>
+            </a:r>
+            <a:endParaRPr lang="ko-KR" altLang="en-US" sz="800" dirty="0"/>
+          </a:p>
+        </p:txBody>
+      </p:sp>
+      <p:sp>
+        <p:nvSpPr>
+          <p:cNvPr id="47" name="타원 46"/>
+          <p:cNvSpPr/>
+          <p:nvPr/>
+        </p:nvSpPr>
+        <p:spPr>
+          <a:xfrm>
+            <a:off x="3827118" y="4635250"/>
+            <a:ext cx="232757" cy="232757"/>
+          </a:xfrm>
+          <a:prstGeom prst="ellipse">
+            <a:avLst/>
+          </a:prstGeom>
+          <a:effectLst>
+            <a:glow rad="63500">
+              <a:schemeClr val="accent4">
+                <a:satMod val="175000"/>
+                <a:alpha val="40000"/>
+              </a:schemeClr>
+            </a:glow>
+            <a:softEdge rad="12700"/>
+          </a:effectLst>
+        </p:spPr>
+        <p:style>
+          <a:lnRef idx="1">
+            <a:schemeClr val="accent4"/>
+          </a:lnRef>
+          <a:fillRef idx="3">
+            <a:schemeClr val="accent4"/>
+          </a:fillRef>
+          <a:effectRef idx="2">
+            <a:schemeClr val="accent4"/>
+          </a:effectRef>
+          <a:fontRef idx="minor">
+            <a:schemeClr val="lt1"/>
+          </a:fontRef>
+        </p:style>
+        <p:txBody>
+          <a:bodyPr rtlCol="0" anchor="ctr"/>
+          <a:lstStyle/>
+          <a:p>
+            <a:pPr algn="ctr"/>
+            <a:r>
+              <a:rPr lang="en-US" altLang="ko-KR" sz="1600" dirty="0" smtClean="0"/>
+              <a:t>1</a:t>
+            </a:r>
+            <a:endParaRPr lang="ko-KR" altLang="en-US" sz="1600" dirty="0"/>
           </a:p>
         </p:txBody>
       </p:sp>
@@ -20187,14 +20202,14 @@
           <p:nvPr>
             <p:extLst>
               <p:ext uri="{D42A27DB-BD31-4B8C-83A1-F6EECF244321}">
-                <p14:modId xmlns:p14="http://schemas.microsoft.com/office/powerpoint/2010/main" val="1233219544"/>
+                <p14:modId xmlns:p14="http://schemas.microsoft.com/office/powerpoint/2010/main" val="1809433291"/>
               </p:ext>
             </p:extLst>
           </p:nvPr>
         </p:nvGraphicFramePr>
         <p:xfrm>
           <a:off x="1375288" y="1165694"/>
-          <a:ext cx="8159708" cy="4756651"/>
+          <a:ext cx="8159708" cy="4492633"/>
         </p:xfrm>
         <a:graphic>
           <a:graphicData uri="http://schemas.openxmlformats.org/drawingml/2006/table">
@@ -20260,7 +20275,7 @@
                   </a:extLst>
                 </a:gridCol>
               </a:tblGrid>
-              <a:tr h="423721">
+              <a:tr h="406042">
                 <a:tc>
                   <a:txBody>
                     <a:bodyPr/>
@@ -20414,7 +20429,7 @@
                   </a:ext>
                 </a:extLst>
               </a:tr>
-              <a:tr h="310028">
+              <a:tr h="270569">
                 <a:tc>
                   <a:txBody>
                     <a:bodyPr/>
@@ -20529,7 +20544,7 @@
                   </a:ext>
                 </a:extLst>
               </a:tr>
-              <a:tr h="299597">
+              <a:tr h="261466">
                 <a:tc rowSpan="5" gridSpan="6">
                   <a:txBody>
                     <a:bodyPr/>
@@ -20628,7 +20643,7 @@
                   </a:ext>
                 </a:extLst>
               </a:tr>
-              <a:tr h="938238">
+              <a:tr h="899094">
                 <a:tc gridSpan="6" vMerge="1">
                   <a:txBody>
                     <a:bodyPr/>
@@ -20764,7 +20779,7 @@
                   </a:ext>
                 </a:extLst>
               </a:tr>
-              <a:tr h="1059301">
+              <a:tr h="1247130">
                 <a:tc gridSpan="6" vMerge="1">
                   <a:txBody>
                     <a:bodyPr/>
@@ -20911,11 +20926,7 @@
                       </a:r>
                       <a:r>
                         <a:rPr lang="ko-KR" altLang="en-US" sz="800" baseline="0" dirty="0" smtClean="0"/>
-                        <a:t>변경 </a:t>
-                      </a:r>
-                      <a:r>
-                        <a:rPr lang="ko-KR" altLang="en-US" sz="800" baseline="0" dirty="0" smtClean="0"/>
-                        <a:t>가능</a:t>
+                        <a:t>변경 가능</a:t>
                       </a:r>
                       <a:endParaRPr lang="en-US" altLang="ko-KR" sz="800" baseline="0" dirty="0" smtClean="0"/>
                     </a:p>
@@ -20943,7 +20954,7 @@
                   </a:ext>
                 </a:extLst>
               </a:tr>
-              <a:tr h="732393">
+              <a:tr h="639179">
                 <a:tc gridSpan="6" vMerge="1">
                   <a:txBody>
                     <a:bodyPr/>
@@ -21042,7 +21053,7 @@
                   </a:ext>
                 </a:extLst>
               </a:tr>
-              <a:tr h="732393">
+              <a:tr h="639179">
                 <a:tc gridSpan="6" vMerge="1">
                   <a:txBody>
                     <a:bodyPr/>
@@ -23718,11 +23729,7 @@
           <a:p>
             <a:r>
               <a:rPr lang="ko-KR" altLang="en-US" sz="800" dirty="0" smtClean="0"/>
-              <a:t>내가 사는 동네</a:t>
-            </a:r>
-            <a:r>
-              <a:rPr lang="ko-KR" altLang="en-US" sz="800" dirty="0" smtClean="0"/>
-              <a:t> </a:t>
+              <a:t>내가 사는 동네 </a:t>
             </a:r>
             <a:endParaRPr lang="ko-KR" altLang="en-US" sz="800" dirty="0"/>
           </a:p>
@@ -23897,7 +23904,7 @@
           <p:nvPr>
             <p:extLst>
               <p:ext uri="{D42A27DB-BD31-4B8C-83A1-F6EECF244321}">
-                <p14:modId xmlns:p14="http://schemas.microsoft.com/office/powerpoint/2010/main" val="226346209"/>
+                <p14:modId xmlns:p14="http://schemas.microsoft.com/office/powerpoint/2010/main" val="1049083175"/>
               </p:ext>
             </p:extLst>
           </p:nvPr>
@@ -24571,55 +24578,11 @@
                       </a:pPr>
                       <a:r>
                         <a:rPr lang="ko-KR" altLang="en-US" sz="800" dirty="0" smtClean="0"/>
-                        <a:t>년</a:t>
-                      </a:r>
-                      <a:r>
-                        <a:rPr lang="en-US" altLang="ko-KR" sz="800" dirty="0" smtClean="0"/>
-                        <a:t>/</a:t>
+                        <a:t>날짜 </a:t>
                       </a:r>
                       <a:r>
                         <a:rPr lang="ko-KR" altLang="en-US" sz="800" dirty="0" smtClean="0"/>
-                        <a:t>월</a:t>
-                      </a:r>
-                      <a:r>
-                        <a:rPr lang="en-US" altLang="ko-KR" sz="800" dirty="0" smtClean="0"/>
-                        <a:t>/</a:t>
-                      </a:r>
-                      <a:r>
-                        <a:rPr lang="ko-KR" altLang="en-US" sz="800" dirty="0" smtClean="0"/>
-                        <a:t>일</a:t>
-                      </a:r>
-                      <a:r>
-                        <a:rPr lang="en-US" altLang="ko-KR" sz="800" dirty="0" smtClean="0"/>
-                        <a:t>/</a:t>
-                      </a:r>
-                      <a:r>
-                        <a:rPr lang="ko-KR" altLang="en-US" sz="800" dirty="0" smtClean="0"/>
-                        <a:t>시</a:t>
-                      </a:r>
-                      <a:r>
-                        <a:rPr lang="en-US" altLang="ko-KR" sz="800" dirty="0" smtClean="0"/>
-                        <a:t>/</a:t>
-                      </a:r>
-                      <a:r>
-                        <a:rPr lang="ko-KR" altLang="en-US" sz="800" dirty="0" smtClean="0"/>
-                        <a:t>분 </a:t>
-                      </a:r>
-                      <a:r>
-                        <a:rPr lang="en-US" altLang="ko-KR" sz="800" dirty="0" smtClean="0"/>
-                        <a:t>2</a:t>
-                      </a:r>
-                      <a:r>
-                        <a:rPr lang="ko-KR" altLang="en-US" sz="800" dirty="0" smtClean="0"/>
-                        <a:t>자리 날짜</a:t>
-                      </a:r>
-                      <a:r>
-                        <a:rPr lang="en-US" altLang="ko-KR" sz="800" dirty="0" smtClean="0"/>
-                        <a:t>,</a:t>
-                      </a:r>
-                      <a:r>
-                        <a:rPr lang="ko-KR" altLang="en-US" sz="800" dirty="0" smtClean="0"/>
-                        <a:t>시간 출력</a:t>
+                        <a:t>출력</a:t>
                       </a:r>
                       <a:endParaRPr lang="en-US" altLang="ko-KR" sz="800" dirty="0" smtClean="0"/>
                     </a:p>
@@ -28249,11 +28212,7 @@
           <a:p>
             <a:r>
               <a:rPr lang="ko-KR" altLang="en-US" sz="800" dirty="0" smtClean="0"/>
-              <a:t>내가 사는 동네</a:t>
-            </a:r>
-            <a:r>
-              <a:rPr lang="ko-KR" altLang="en-US" sz="800" dirty="0" smtClean="0"/>
-              <a:t> </a:t>
+              <a:t>내가 사는 동네 </a:t>
             </a:r>
             <a:endParaRPr lang="ko-KR" altLang="en-US" sz="800" dirty="0"/>
           </a:p>
@@ -28350,14 +28309,14 @@
           <p:nvPr>
             <p:extLst>
               <p:ext uri="{D42A27DB-BD31-4B8C-83A1-F6EECF244321}">
-                <p14:modId xmlns:p14="http://schemas.microsoft.com/office/powerpoint/2010/main" val="3448294726"/>
+                <p14:modId xmlns:p14="http://schemas.microsoft.com/office/powerpoint/2010/main" val="2788743997"/>
               </p:ext>
             </p:extLst>
           </p:nvPr>
         </p:nvGraphicFramePr>
         <p:xfrm>
           <a:off x="1375288" y="1165696"/>
-          <a:ext cx="8159708" cy="4493288"/>
+          <a:ext cx="8159708" cy="4472535"/>
         </p:xfrm>
         <a:graphic>
           <a:graphicData uri="http://schemas.openxmlformats.org/drawingml/2006/table">
@@ -29254,55 +29213,11 @@
                       </a:pPr>
                       <a:r>
                         <a:rPr lang="ko-KR" altLang="en-US" sz="800" dirty="0" smtClean="0"/>
-                        <a:t>년</a:t>
-                      </a:r>
-                      <a:r>
-                        <a:rPr lang="en-US" altLang="ko-KR" sz="800" dirty="0" smtClean="0"/>
-                        <a:t>/</a:t>
+                        <a:t>날짜 </a:t>
                       </a:r>
                       <a:r>
                         <a:rPr lang="ko-KR" altLang="en-US" sz="800" dirty="0" smtClean="0"/>
-                        <a:t>월</a:t>
-                      </a:r>
-                      <a:r>
-                        <a:rPr lang="en-US" altLang="ko-KR" sz="800" dirty="0" smtClean="0"/>
-                        <a:t>/</a:t>
-                      </a:r>
-                      <a:r>
-                        <a:rPr lang="ko-KR" altLang="en-US" sz="800" dirty="0" smtClean="0"/>
-                        <a:t>일</a:t>
-                      </a:r>
-                      <a:r>
-                        <a:rPr lang="en-US" altLang="ko-KR" sz="800" dirty="0" smtClean="0"/>
-                        <a:t>/</a:t>
-                      </a:r>
-                      <a:r>
-                        <a:rPr lang="ko-KR" altLang="en-US" sz="800" dirty="0" smtClean="0"/>
-                        <a:t>시</a:t>
-                      </a:r>
-                      <a:r>
-                        <a:rPr lang="en-US" altLang="ko-KR" sz="800" dirty="0" smtClean="0"/>
-                        <a:t>/</a:t>
-                      </a:r>
-                      <a:r>
-                        <a:rPr lang="ko-KR" altLang="en-US" sz="800" dirty="0" smtClean="0"/>
-                        <a:t>분 </a:t>
-                      </a:r>
-                      <a:r>
-                        <a:rPr lang="en-US" altLang="ko-KR" sz="800" dirty="0" smtClean="0"/>
-                        <a:t>2</a:t>
-                      </a:r>
-                      <a:r>
-                        <a:rPr lang="ko-KR" altLang="en-US" sz="800" dirty="0" smtClean="0"/>
-                        <a:t>자리 날짜</a:t>
-                      </a:r>
-                      <a:r>
-                        <a:rPr lang="en-US" altLang="ko-KR" sz="800" dirty="0" smtClean="0"/>
-                        <a:t>,</a:t>
-                      </a:r>
-                      <a:r>
-                        <a:rPr lang="ko-KR" altLang="en-US" sz="800" dirty="0" smtClean="0"/>
-                        <a:t>시간 출력</a:t>
+                        <a:t>출력</a:t>
                       </a:r>
                       <a:endParaRPr lang="en-US" altLang="ko-KR" sz="800" dirty="0" smtClean="0"/>
                     </a:p>
@@ -29744,7 +29659,7 @@
         </p:nvSpPr>
         <p:spPr>
           <a:xfrm>
-            <a:off x="2573857" y="3538673"/>
+            <a:off x="2949164" y="3525300"/>
             <a:ext cx="962123" cy="215444"/>
           </a:xfrm>
           <a:prstGeom prst="rect">
@@ -29870,7 +29785,7 @@
         </p:nvSpPr>
         <p:spPr>
           <a:xfrm>
-            <a:off x="6805809" y="3338911"/>
+            <a:off x="2591580" y="3521284"/>
             <a:ext cx="492443" cy="215444"/>
           </a:xfrm>
           <a:prstGeom prst="rect">
@@ -30868,11 +30783,7 @@
           <a:p>
             <a:r>
               <a:rPr lang="ko-KR" altLang="en-US" sz="800" dirty="0" smtClean="0"/>
-              <a:t>내가 사는 동네</a:t>
-            </a:r>
-            <a:r>
-              <a:rPr lang="ko-KR" altLang="en-US" sz="800" dirty="0" smtClean="0"/>
-              <a:t> </a:t>
+              <a:t>내가 사는 동네 </a:t>
             </a:r>
             <a:endParaRPr lang="ko-KR" altLang="en-US" sz="800" dirty="0"/>
           </a:p>
@@ -30969,13 +30880,13 @@
           <p:nvPr>
             <p:extLst>
               <p:ext uri="{D42A27DB-BD31-4B8C-83A1-F6EECF244321}">
-                <p14:modId xmlns:p14="http://schemas.microsoft.com/office/powerpoint/2010/main" val="1938972206"/>
+                <p14:modId xmlns:p14="http://schemas.microsoft.com/office/powerpoint/2010/main" val="4112246372"/>
               </p:ext>
             </p:extLst>
           </p:nvPr>
         </p:nvGraphicFramePr>
         <p:xfrm>
-          <a:off x="1375288" y="1165694"/>
+          <a:off x="1350350" y="1165694"/>
           <a:ext cx="8159708" cy="4508829"/>
         </p:xfrm>
         <a:graphic>
@@ -31626,6 +31537,10 @@
                     <a:lstStyle/>
                     <a:p>
                       <a:pPr latinLnBrk="1"/>
+                      <a:r>
+                        <a:rPr lang="en-US" altLang="ko-KR" sz="1100" dirty="0" smtClean="0"/>
+                        <a:t>1</a:t>
+                      </a:r>
                       <a:endParaRPr lang="ko-KR" altLang="en-US" sz="1100" dirty="0"/>
                     </a:p>
                   </a:txBody>
@@ -31635,6 +31550,44 @@
                   <a:txBody>
                     <a:bodyPr/>
                     <a:lstStyle/>
+                    <a:p>
+                      <a:pPr latinLnBrk="1"/>
+                      <a:r>
+                        <a:rPr lang="ko-KR" altLang="en-US" sz="800" dirty="0" smtClean="0"/>
+                        <a:t>페이지 번호</a:t>
+                      </a:r>
+                      <a:endParaRPr lang="en-US" altLang="ko-KR" sz="800" dirty="0" smtClean="0"/>
+                    </a:p>
+                    <a:p>
+                      <a:pPr marL="171450" indent="-171450" latinLnBrk="1">
+                        <a:buFontTx/>
+                        <a:buChar char="-"/>
+                      </a:pPr>
+                      <a:r>
+                        <a:rPr lang="en-US" altLang="ko-KR" sz="800" baseline="0" dirty="0" smtClean="0"/>
+                        <a:t>10</a:t>
+                      </a:r>
+                      <a:r>
+                        <a:rPr lang="ko-KR" altLang="en-US" sz="800" baseline="0" dirty="0" smtClean="0"/>
+                        <a:t>개씩 출력 되도록 페이지 번호 계산</a:t>
+                      </a:r>
+                      <a:endParaRPr lang="en-US" altLang="ko-KR" sz="800" baseline="0" dirty="0" smtClean="0"/>
+                    </a:p>
+                    <a:p>
+                      <a:pPr marL="171450" indent="-171450" latinLnBrk="1">
+                        <a:buFontTx/>
+                        <a:buChar char="-"/>
+                      </a:pPr>
+                      <a:r>
+                        <a:rPr lang="ko-KR" altLang="en-US" sz="800" baseline="0" dirty="0" err="1" smtClean="0"/>
+                        <a:t>최신등록순</a:t>
+                      </a:r>
+                      <a:r>
+                        <a:rPr lang="ko-KR" altLang="en-US" sz="800" baseline="0" dirty="0" smtClean="0"/>
+                        <a:t> 출력</a:t>
+                      </a:r>
+                      <a:endParaRPr lang="ko-KR" altLang="en-US" sz="800" dirty="0" smtClean="0"/>
+                    </a:p>
                     <a:p>
                       <a:pPr latinLnBrk="1"/>
                       <a:endParaRPr lang="ko-KR" altLang="en-US" sz="800" dirty="0"/>
@@ -31850,7 +31803,7 @@
         </p:nvSpPr>
         <p:spPr>
           <a:xfrm>
-            <a:off x="1383600" y="1852806"/>
+            <a:off x="1358662" y="1852806"/>
             <a:ext cx="6496866" cy="3808559"/>
           </a:xfrm>
           <a:prstGeom prst="rect">
@@ -31898,7 +31851,7 @@
         </p:nvCxnSpPr>
         <p:spPr>
           <a:xfrm>
-            <a:off x="1375288" y="5020953"/>
+            <a:off x="1350350" y="5020953"/>
             <a:ext cx="6505178" cy="0"/>
           </a:xfrm>
           <a:prstGeom prst="line">
@@ -31935,7 +31888,7 @@
         </p:nvSpPr>
         <p:spPr>
           <a:xfrm>
-            <a:off x="2464253" y="5037922"/>
+            <a:off x="2439315" y="5037922"/>
             <a:ext cx="5092767" cy="215444"/>
           </a:xfrm>
           <a:prstGeom prst="rect">
@@ -32029,7 +31982,7 @@
         </p:nvSpPr>
         <p:spPr>
           <a:xfrm>
-            <a:off x="2530077" y="5267250"/>
+            <a:off x="2505139" y="5267250"/>
             <a:ext cx="703574" cy="272405"/>
           </a:xfrm>
           <a:prstGeom prst="rect">
@@ -32077,7 +32030,7 @@
         </p:nvSpPr>
         <p:spPr>
           <a:xfrm>
-            <a:off x="2650802" y="5314700"/>
+            <a:off x="2625864" y="5314700"/>
             <a:ext cx="441146" cy="246221"/>
           </a:xfrm>
           <a:prstGeom prst="rect">
@@ -32107,7 +32060,7 @@
         </p:nvSpPr>
         <p:spPr>
           <a:xfrm>
-            <a:off x="3241963" y="5246402"/>
+            <a:off x="3217025" y="5246402"/>
             <a:ext cx="1885453" cy="338554"/>
           </a:xfrm>
           <a:prstGeom prst="rect">
@@ -32180,7 +32133,7 @@
         </p:nvSpPr>
         <p:spPr>
           <a:xfrm>
-            <a:off x="1383600" y="1952062"/>
+            <a:off x="1358662" y="1952062"/>
             <a:ext cx="1080653" cy="528379"/>
           </a:xfrm>
           <a:prstGeom prst="rect">
@@ -32228,7 +32181,7 @@
         </p:nvSpPr>
         <p:spPr>
           <a:xfrm>
-            <a:off x="1703353" y="2063676"/>
+            <a:off x="1678415" y="2063676"/>
             <a:ext cx="441146" cy="246221"/>
           </a:xfrm>
           <a:prstGeom prst="rect">
@@ -32258,7 +32211,7 @@
         </p:nvSpPr>
         <p:spPr>
           <a:xfrm>
-            <a:off x="7285431" y="1872281"/>
+            <a:off x="7260493" y="1872281"/>
             <a:ext cx="595035" cy="215444"/>
           </a:xfrm>
           <a:prstGeom prst="rect">
@@ -32288,7 +32241,7 @@
         </p:nvSpPr>
         <p:spPr>
           <a:xfrm>
-            <a:off x="6677891" y="1868406"/>
+            <a:off x="6652953" y="1868406"/>
             <a:ext cx="697627" cy="215444"/>
           </a:xfrm>
           <a:prstGeom prst="rect">
@@ -32318,7 +32271,7 @@
         </p:nvCxnSpPr>
         <p:spPr>
           <a:xfrm>
-            <a:off x="1383600" y="2480441"/>
+            <a:off x="1358662" y="2480441"/>
             <a:ext cx="6505178" cy="0"/>
           </a:xfrm>
           <a:prstGeom prst="line">
@@ -32355,7 +32308,7 @@
         </p:nvCxnSpPr>
         <p:spPr>
           <a:xfrm>
-            <a:off x="1375288" y="2739543"/>
+            <a:off x="1350350" y="2739543"/>
             <a:ext cx="6505178" cy="0"/>
           </a:xfrm>
           <a:prstGeom prst="line">
@@ -32392,7 +32345,7 @@
         </p:nvSpPr>
         <p:spPr>
           <a:xfrm>
-            <a:off x="2506984" y="2472267"/>
+            <a:off x="2482046" y="2472267"/>
             <a:ext cx="3879915" cy="215444"/>
           </a:xfrm>
           <a:prstGeom prst="rect">
@@ -32446,7 +32399,7 @@
         </p:nvSpPr>
         <p:spPr>
           <a:xfrm>
-            <a:off x="2530077" y="2826699"/>
+            <a:off x="2505139" y="2826699"/>
             <a:ext cx="492443" cy="215444"/>
           </a:xfrm>
           <a:prstGeom prst="rect">
@@ -32476,7 +32429,7 @@
         </p:nvSpPr>
         <p:spPr>
           <a:xfrm>
-            <a:off x="2530077" y="3017141"/>
+            <a:off x="2505139" y="3017141"/>
             <a:ext cx="800219" cy="215444"/>
           </a:xfrm>
           <a:prstGeom prst="rect">
@@ -32509,7 +32462,7 @@
         </p:nvCxnSpPr>
         <p:spPr>
           <a:xfrm flipV="1">
-            <a:off x="2575800" y="3292194"/>
+            <a:off x="2550862" y="3292194"/>
             <a:ext cx="4709631" cy="14406"/>
           </a:xfrm>
           <a:prstGeom prst="line">
@@ -32546,7 +32499,7 @@
         </p:nvSpPr>
         <p:spPr>
           <a:xfrm>
-            <a:off x="2530077" y="3341944"/>
+            <a:off x="2505139" y="3341944"/>
             <a:ext cx="492443" cy="215444"/>
           </a:xfrm>
           <a:prstGeom prst="rect">
@@ -32576,7 +32529,7 @@
         </p:nvSpPr>
         <p:spPr>
           <a:xfrm>
-            <a:off x="2530077" y="3532386"/>
+            <a:off x="2505139" y="3532386"/>
             <a:ext cx="1144865" cy="215444"/>
           </a:xfrm>
           <a:prstGeom prst="rect">
@@ -32614,7 +32567,7 @@
         </p:nvCxnSpPr>
         <p:spPr>
           <a:xfrm flipV="1">
-            <a:off x="2575800" y="3807439"/>
+            <a:off x="2550862" y="3807439"/>
             <a:ext cx="4709631" cy="14406"/>
           </a:xfrm>
           <a:prstGeom prst="line">
@@ -32651,7 +32604,7 @@
         </p:nvSpPr>
         <p:spPr>
           <a:xfrm>
-            <a:off x="2530077" y="3822225"/>
+            <a:off x="2505139" y="3822225"/>
             <a:ext cx="492443" cy="215444"/>
           </a:xfrm>
           <a:prstGeom prst="rect">
@@ -32681,7 +32634,7 @@
         </p:nvSpPr>
         <p:spPr>
           <a:xfrm>
-            <a:off x="2530077" y="4012667"/>
+            <a:off x="2505139" y="4012667"/>
             <a:ext cx="1079142" cy="215444"/>
           </a:xfrm>
           <a:prstGeom prst="rect">
@@ -32715,7 +32668,7 @@
         </p:nvCxnSpPr>
         <p:spPr>
           <a:xfrm flipV="1">
-            <a:off x="2575800" y="4287720"/>
+            <a:off x="2550862" y="4287720"/>
             <a:ext cx="4709631" cy="14406"/>
           </a:xfrm>
           <a:prstGeom prst="line">
@@ -32752,7 +32705,7 @@
         </p:nvSpPr>
         <p:spPr>
           <a:xfrm>
-            <a:off x="2533033" y="4297503"/>
+            <a:off x="2508095" y="4297503"/>
             <a:ext cx="492443" cy="215444"/>
           </a:xfrm>
           <a:prstGeom prst="rect">
@@ -32782,7 +32735,7 @@
         </p:nvSpPr>
         <p:spPr>
           <a:xfrm>
-            <a:off x="2533033" y="4487945"/>
+            <a:off x="2508095" y="4487945"/>
             <a:ext cx="976549" cy="215444"/>
           </a:xfrm>
           <a:prstGeom prst="rect">
@@ -32820,7 +32773,7 @@
         </p:nvCxnSpPr>
         <p:spPr>
           <a:xfrm flipV="1">
-            <a:off x="2578756" y="4762998"/>
+            <a:off x="2553818" y="4762998"/>
             <a:ext cx="4709631" cy="14406"/>
           </a:xfrm>
           <a:prstGeom prst="line">
@@ -32857,7 +32810,7 @@
         </p:nvSpPr>
         <p:spPr>
           <a:xfrm>
-            <a:off x="6659456" y="2817648"/>
+            <a:off x="6634518" y="2817648"/>
             <a:ext cx="849913" cy="215444"/>
           </a:xfrm>
           <a:prstGeom prst="rect">
@@ -32891,7 +32844,7 @@
         </p:nvSpPr>
         <p:spPr>
           <a:xfrm>
-            <a:off x="6638892" y="3297980"/>
+            <a:off x="6613954" y="3297980"/>
             <a:ext cx="849913" cy="215444"/>
           </a:xfrm>
           <a:prstGeom prst="rect">
@@ -32925,7 +32878,7 @@
         </p:nvSpPr>
         <p:spPr>
           <a:xfrm>
-            <a:off x="6638892" y="3825031"/>
+            <a:off x="6613954" y="3825031"/>
             <a:ext cx="849913" cy="215444"/>
           </a:xfrm>
           <a:prstGeom prst="rect">
@@ -32959,7 +32912,7 @@
         </p:nvSpPr>
         <p:spPr>
           <a:xfrm>
-            <a:off x="6638892" y="4319094"/>
+            <a:off x="6613954" y="4319094"/>
             <a:ext cx="849913" cy="215444"/>
           </a:xfrm>
           <a:prstGeom prst="rect">
@@ -32993,7 +32946,7 @@
         </p:nvSpPr>
         <p:spPr>
           <a:xfrm>
-            <a:off x="6682700" y="3091156"/>
+            <a:off x="6657762" y="3091156"/>
             <a:ext cx="692818" cy="215444"/>
           </a:xfrm>
           <a:prstGeom prst="rect">
@@ -33031,7 +32984,7 @@
         </p:nvSpPr>
         <p:spPr>
           <a:xfrm>
-            <a:off x="6694300" y="3607994"/>
+            <a:off x="6669362" y="3607994"/>
             <a:ext cx="692818" cy="215444"/>
           </a:xfrm>
           <a:prstGeom prst="rect">
@@ -33069,7 +33022,7 @@
         </p:nvSpPr>
         <p:spPr>
           <a:xfrm>
-            <a:off x="6699626" y="4065394"/>
+            <a:off x="6674688" y="4065394"/>
             <a:ext cx="692818" cy="215444"/>
           </a:xfrm>
           <a:prstGeom prst="rect">
@@ -33107,7 +33060,7 @@
         </p:nvSpPr>
         <p:spPr>
           <a:xfrm>
-            <a:off x="6694300" y="4581639"/>
+            <a:off x="6669362" y="4581639"/>
             <a:ext cx="692818" cy="215444"/>
           </a:xfrm>
           <a:prstGeom prst="rect">
@@ -33134,6 +33087,95 @@
               <a:t>삭제</a:t>
             </a:r>
             <a:endParaRPr lang="ko-KR" altLang="en-US" sz="800" dirty="0"/>
+          </a:p>
+        </p:txBody>
+      </p:sp>
+      <p:sp>
+        <p:nvSpPr>
+          <p:cNvPr id="42" name="TextBox 41"/>
+          <p:cNvSpPr txBox="1"/>
+          <p:nvPr/>
+        </p:nvSpPr>
+        <p:spPr>
+          <a:xfrm>
+            <a:off x="3951809" y="4753676"/>
+            <a:ext cx="1617751" cy="215444"/>
+          </a:xfrm>
+          <a:prstGeom prst="rect">
+            <a:avLst/>
+          </a:prstGeom>
+          <a:noFill/>
+        </p:spPr>
+        <p:txBody>
+          <a:bodyPr wrap="none" rtlCol="0">
+            <a:spAutoFit/>
+          </a:bodyPr>
+          <a:lstStyle/>
+          <a:p>
+            <a:r>
+              <a:rPr lang="ko-KR" altLang="en-US" sz="800" dirty="0" smtClean="0"/>
+              <a:t>이전 </a:t>
+            </a:r>
+            <a:r>
+              <a:rPr lang="en-US" altLang="ko-KR" sz="800" dirty="0" smtClean="0"/>
+              <a:t>1 2 3 4 5 6 7 8 9 10 </a:t>
+            </a:r>
+            <a:r>
+              <a:rPr lang="ko-KR" altLang="en-US" sz="800" dirty="0" smtClean="0"/>
+              <a:t>다음</a:t>
+            </a:r>
+            <a:endParaRPr lang="ko-KR" altLang="en-US" sz="800" dirty="0"/>
+          </a:p>
+        </p:txBody>
+      </p:sp>
+      <p:sp>
+        <p:nvSpPr>
+          <p:cNvPr id="43" name="타원 42"/>
+          <p:cNvSpPr/>
+          <p:nvPr/>
+        </p:nvSpPr>
+        <p:spPr>
+          <a:xfrm>
+            <a:off x="3827118" y="4670089"/>
+            <a:ext cx="232757" cy="232757"/>
+          </a:xfrm>
+          <a:prstGeom prst="ellipse">
+            <a:avLst/>
+          </a:prstGeom>
+          <a:effectLst>
+            <a:glow rad="63500">
+              <a:schemeClr val="accent4">
+                <a:satMod val="175000"/>
+                <a:alpha val="40000"/>
+              </a:schemeClr>
+            </a:glow>
+            <a:softEdge rad="12700"/>
+          </a:effectLst>
+        </p:spPr>
+        <p:style>
+          <a:lnRef idx="1">
+            <a:schemeClr val="accent4"/>
+          </a:lnRef>
+          <a:fillRef idx="3">
+            <a:schemeClr val="accent4"/>
+          </a:fillRef>
+          <a:effectRef idx="2">
+            <a:schemeClr val="accent4"/>
+          </a:effectRef>
+          <a:fontRef idx="minor">
+            <a:schemeClr val="lt1"/>
+          </a:fontRef>
+        </p:style>
+        <p:txBody>
+          <a:bodyPr rtlCol="0" anchor="ctr"/>
+          <a:lstStyle/>
+          <a:p>
+            <a:pPr algn="ctr"/>
+            <a:r>
+              <a:rPr lang="en-US" altLang="ko-KR" sz="1600" dirty="0" smtClean="0"/>
+              <a:t>1</a:t>
+            </a:r>
+            <a:endParaRPr lang="ko-KR" altLang="en-US" sz="1600" dirty="0"/>
           </a:p>
         </p:txBody>
       </p:sp>
@@ -36716,11 +36758,7 @@
           <a:p>
             <a:r>
               <a:rPr lang="ko-KR" altLang="en-US" sz="800" dirty="0" smtClean="0"/>
-              <a:t>내가 사는 동네</a:t>
-            </a:r>
-            <a:r>
-              <a:rPr lang="ko-KR" altLang="en-US" sz="800" dirty="0" smtClean="0"/>
-              <a:t> </a:t>
+              <a:t>내가 사는 동네 </a:t>
             </a:r>
             <a:endParaRPr lang="ko-KR" altLang="en-US" sz="800" dirty="0"/>
           </a:p>
@@ -36817,7 +36855,7 @@
           <p:nvPr>
             <p:extLst>
               <p:ext uri="{D42A27DB-BD31-4B8C-83A1-F6EECF244321}">
-                <p14:modId xmlns:p14="http://schemas.microsoft.com/office/powerpoint/2010/main" val="3191825078"/>
+                <p14:modId xmlns:p14="http://schemas.microsoft.com/office/powerpoint/2010/main" val="3336536050"/>
               </p:ext>
             </p:extLst>
           </p:nvPr>
@@ -37526,55 +37564,15 @@
                       </a:pPr>
                       <a:r>
                         <a:rPr lang="ko-KR" altLang="en-US" sz="800" dirty="0" smtClean="0"/>
-                        <a:t>년</a:t>
-                      </a:r>
-                      <a:r>
-                        <a:rPr lang="en-US" altLang="ko-KR" sz="800" dirty="0" smtClean="0"/>
-                        <a:t>/</a:t>
+                        <a:t>날짜</a:t>
+                      </a:r>
+                      <a:r>
+                        <a:rPr lang="ko-KR" altLang="en-US" sz="800" baseline="0" dirty="0" smtClean="0"/>
+                        <a:t> </a:t>
                       </a:r>
                       <a:r>
                         <a:rPr lang="ko-KR" altLang="en-US" sz="800" dirty="0" smtClean="0"/>
-                        <a:t>월</a:t>
-                      </a:r>
-                      <a:r>
-                        <a:rPr lang="en-US" altLang="ko-KR" sz="800" dirty="0" smtClean="0"/>
-                        <a:t>/</a:t>
-                      </a:r>
-                      <a:r>
-                        <a:rPr lang="ko-KR" altLang="en-US" sz="800" dirty="0" smtClean="0"/>
-                        <a:t>일</a:t>
-                      </a:r>
-                      <a:r>
-                        <a:rPr lang="en-US" altLang="ko-KR" sz="800" dirty="0" smtClean="0"/>
-                        <a:t>/</a:t>
-                      </a:r>
-                      <a:r>
-                        <a:rPr lang="ko-KR" altLang="en-US" sz="800" dirty="0" smtClean="0"/>
-                        <a:t>시</a:t>
-                      </a:r>
-                      <a:r>
-                        <a:rPr lang="en-US" altLang="ko-KR" sz="800" dirty="0" smtClean="0"/>
-                        <a:t>/</a:t>
-                      </a:r>
-                      <a:r>
-                        <a:rPr lang="ko-KR" altLang="en-US" sz="800" dirty="0" smtClean="0"/>
-                        <a:t>분 </a:t>
-                      </a:r>
-                      <a:r>
-                        <a:rPr lang="en-US" altLang="ko-KR" sz="800" dirty="0" smtClean="0"/>
-                        <a:t>2</a:t>
-                      </a:r>
-                      <a:r>
-                        <a:rPr lang="ko-KR" altLang="en-US" sz="800" dirty="0" smtClean="0"/>
-                        <a:t>자리 날짜</a:t>
-                      </a:r>
-                      <a:r>
-                        <a:rPr lang="en-US" altLang="ko-KR" sz="800" dirty="0" smtClean="0"/>
-                        <a:t>,</a:t>
-                      </a:r>
-                      <a:r>
-                        <a:rPr lang="ko-KR" altLang="en-US" sz="800" dirty="0" smtClean="0"/>
-                        <a:t>시간 출력</a:t>
+                        <a:t>출력</a:t>
                       </a:r>
                       <a:endParaRPr lang="en-US" altLang="ko-KR" sz="800" dirty="0" smtClean="0"/>
                     </a:p>
@@ -41202,11 +41200,7 @@
           <a:p>
             <a:r>
               <a:rPr lang="ko-KR" altLang="en-US" sz="800" dirty="0" smtClean="0"/>
-              <a:t>내가 사는 동네</a:t>
-            </a:r>
-            <a:r>
-              <a:rPr lang="ko-KR" altLang="en-US" sz="800" dirty="0" smtClean="0"/>
-              <a:t> </a:t>
+              <a:t>내가 사는 동네 </a:t>
             </a:r>
             <a:endParaRPr lang="ko-KR" altLang="en-US" sz="800" dirty="0"/>
           </a:p>
@@ -41303,7 +41297,7 @@
           <p:nvPr>
             <p:extLst>
               <p:ext uri="{D42A27DB-BD31-4B8C-83A1-F6EECF244321}">
-                <p14:modId xmlns:p14="http://schemas.microsoft.com/office/powerpoint/2010/main" val="3028269716"/>
+                <p14:modId xmlns:p14="http://schemas.microsoft.com/office/powerpoint/2010/main" val="2918456584"/>
               </p:ext>
             </p:extLst>
           </p:nvPr>
@@ -41973,12 +41967,8 @@
                     <a:p>
                       <a:pPr latinLnBrk="1"/>
                       <a:r>
-                        <a:rPr lang="ko-KR" altLang="en-US" sz="800" smtClean="0"/>
-                        <a:t>질문 </a:t>
-                      </a:r>
-                      <a:r>
                         <a:rPr lang="ko-KR" altLang="en-US" sz="800" dirty="0" smtClean="0"/>
-                        <a:t>게시판 </a:t>
+                        <a:t>질문 게시판 </a:t>
                       </a:r>
                       <a:r>
                         <a:rPr lang="ko-KR" altLang="en-US" sz="800" dirty="0" err="1" smtClean="0"/>
@@ -42015,12 +42005,8 @@
                         <a:t> </a:t>
                       </a:r>
                       <a:r>
-                        <a:rPr lang="ko-KR" altLang="en-US" sz="800" dirty="0" err="1" smtClean="0"/>
+                        <a:rPr lang="ko-KR" altLang="en-US" sz="800" dirty="0" smtClean="0"/>
                         <a:t>기능</a:t>
-                      </a:r>
-                      <a:r>
-                        <a:rPr lang="ko-KR" altLang="en-US" sz="800" dirty="0" err="1"/>
-                        <a:t>ㄴ</a:t>
                       </a:r>
                       <a:endParaRPr lang="en-US" altLang="ko-KR" sz="800" dirty="0" smtClean="0"/>
                     </a:p>
@@ -42270,6 +42256,25 @@
                     <a:lstStyle/>
                     <a:p>
                       <a:pPr latinLnBrk="1"/>
+                      <a:r>
+                        <a:rPr lang="ko-KR" altLang="en-US" sz="800" dirty="0" smtClean="0"/>
+                        <a:t>답변하기 버튼</a:t>
+                      </a:r>
+                      <a:endParaRPr lang="en-US" altLang="ko-KR" sz="800" dirty="0" smtClean="0"/>
+                    </a:p>
+                    <a:p>
+                      <a:pPr marL="171450" indent="-171450" latinLnBrk="1">
+                        <a:buFontTx/>
+                        <a:buChar char="-"/>
+                      </a:pPr>
+                      <a:r>
+                        <a:rPr lang="ko-KR" altLang="en-US" sz="800" dirty="0" smtClean="0"/>
+                        <a:t>답변하기</a:t>
+                      </a:r>
+                      <a:r>
+                        <a:rPr lang="ko-KR" altLang="en-US" sz="800" baseline="0" dirty="0" smtClean="0"/>
+                        <a:t>로 이동</a:t>
+                      </a:r>
                       <a:endParaRPr lang="en-US" altLang="ko-KR" sz="800" dirty="0" smtClean="0"/>
                     </a:p>
                   </a:txBody>
@@ -42519,7 +42524,7 @@
         </p:nvSpPr>
         <p:spPr>
           <a:xfrm>
-            <a:off x="2573857" y="3538673"/>
+            <a:off x="3041228" y="3522794"/>
             <a:ext cx="962123" cy="215444"/>
           </a:xfrm>
           <a:prstGeom prst="rect">
@@ -42648,7 +42653,7 @@
         </p:nvSpPr>
         <p:spPr>
           <a:xfrm>
-            <a:off x="6805809" y="3338911"/>
+            <a:off x="2625153" y="3514150"/>
             <a:ext cx="492443" cy="215444"/>
           </a:xfrm>
           <a:prstGeom prst="rect">
@@ -42944,7 +42949,7 @@
         </p:nvSpPr>
         <p:spPr>
           <a:xfrm>
-            <a:off x="2590096" y="4350752"/>
+            <a:off x="6604724" y="4126144"/>
             <a:ext cx="595035" cy="215444"/>
           </a:xfrm>
           <a:prstGeom prst="rect">
@@ -42974,7 +42979,7 @@
         </p:nvSpPr>
         <p:spPr>
           <a:xfrm>
-            <a:off x="2598408" y="4361037"/>
+            <a:off x="6596803" y="4139191"/>
             <a:ext cx="617235" cy="189291"/>
           </a:xfrm>
           <a:prstGeom prst="rect">
@@ -43623,13 +43628,60 @@
           <a:p>
             <a:r>
               <a:rPr lang="ko-KR" altLang="en-US" sz="800" dirty="0" smtClean="0"/>
-              <a:t>내가 사는 동네</a:t>
-            </a:r>
-            <a:r>
-              <a:rPr lang="ko-KR" altLang="en-US" sz="800" dirty="0" smtClean="0"/>
-              <a:t> </a:t>
+              <a:t>내가 사는 동네 </a:t>
             </a:r>
             <a:endParaRPr lang="ko-KR" altLang="en-US" sz="800" dirty="0"/>
+          </a:p>
+        </p:txBody>
+      </p:sp>
+      <p:sp>
+        <p:nvSpPr>
+          <p:cNvPr id="48" name="타원 47"/>
+          <p:cNvSpPr/>
+          <p:nvPr/>
+        </p:nvSpPr>
+        <p:spPr>
+          <a:xfrm>
+            <a:off x="5982449" y="3007949"/>
+            <a:ext cx="232757" cy="232757"/>
+          </a:xfrm>
+          <a:prstGeom prst="ellipse">
+            <a:avLst/>
+          </a:prstGeom>
+          <a:effectLst>
+            <a:glow rad="63500">
+              <a:schemeClr val="accent4">
+                <a:satMod val="175000"/>
+                <a:alpha val="40000"/>
+              </a:schemeClr>
+            </a:glow>
+            <a:softEdge rad="12700"/>
+          </a:effectLst>
+        </p:spPr>
+        <p:style>
+          <a:lnRef idx="1">
+            <a:schemeClr val="accent4"/>
+          </a:lnRef>
+          <a:fillRef idx="3">
+            <a:schemeClr val="accent4"/>
+          </a:fillRef>
+          <a:effectRef idx="2">
+            <a:schemeClr val="accent4"/>
+          </a:effectRef>
+          <a:fontRef idx="minor">
+            <a:schemeClr val="lt1"/>
+          </a:fontRef>
+        </p:style>
+        <p:txBody>
+          <a:bodyPr rtlCol="0" anchor="ctr"/>
+          <a:lstStyle/>
+          <a:p>
+            <a:pPr algn="ctr"/>
+            <a:r>
+              <a:rPr lang="en-US" altLang="ko-KR" sz="1600" dirty="0"/>
+              <a:t>3</a:t>
+            </a:r>
+            <a:endParaRPr lang="ko-KR" altLang="en-US" sz="1600" dirty="0"/>
           </a:p>
         </p:txBody>
       </p:sp>
@@ -43724,7 +43776,7 @@
           <p:nvPr>
             <p:extLst>
               <p:ext uri="{D42A27DB-BD31-4B8C-83A1-F6EECF244321}">
-                <p14:modId xmlns:p14="http://schemas.microsoft.com/office/powerpoint/2010/main" val="3135520783"/>
+                <p14:modId xmlns:p14="http://schemas.microsoft.com/office/powerpoint/2010/main" val="4072784817"/>
               </p:ext>
             </p:extLst>
           </p:nvPr>
@@ -44487,55 +44539,15 @@
                       </a:pPr>
                       <a:r>
                         <a:rPr lang="ko-KR" altLang="en-US" sz="800" dirty="0" smtClean="0"/>
-                        <a:t>년</a:t>
-                      </a:r>
-                      <a:r>
-                        <a:rPr lang="en-US" altLang="ko-KR" sz="800" dirty="0" smtClean="0"/>
-                        <a:t>/</a:t>
+                        <a:t>날짜</a:t>
+                      </a:r>
+                      <a:r>
+                        <a:rPr lang="ko-KR" altLang="en-US" sz="800" baseline="0" dirty="0" smtClean="0"/>
+                        <a:t> </a:t>
                       </a:r>
                       <a:r>
                         <a:rPr lang="ko-KR" altLang="en-US" sz="800" dirty="0" smtClean="0"/>
-                        <a:t>월</a:t>
-                      </a:r>
-                      <a:r>
-                        <a:rPr lang="en-US" altLang="ko-KR" sz="800" dirty="0" smtClean="0"/>
-                        <a:t>/</a:t>
-                      </a:r>
-                      <a:r>
-                        <a:rPr lang="ko-KR" altLang="en-US" sz="800" dirty="0" smtClean="0"/>
-                        <a:t>일</a:t>
-                      </a:r>
-                      <a:r>
-                        <a:rPr lang="en-US" altLang="ko-KR" sz="800" dirty="0" smtClean="0"/>
-                        <a:t>/</a:t>
-                      </a:r>
-                      <a:r>
-                        <a:rPr lang="ko-KR" altLang="en-US" sz="800" dirty="0" smtClean="0"/>
-                        <a:t>시</a:t>
-                      </a:r>
-                      <a:r>
-                        <a:rPr lang="en-US" altLang="ko-KR" sz="800" dirty="0" smtClean="0"/>
-                        <a:t>/</a:t>
-                      </a:r>
-                      <a:r>
-                        <a:rPr lang="ko-KR" altLang="en-US" sz="800" dirty="0" smtClean="0"/>
-                        <a:t>분 </a:t>
-                      </a:r>
-                      <a:r>
-                        <a:rPr lang="en-US" altLang="ko-KR" sz="800" dirty="0" smtClean="0"/>
-                        <a:t>2</a:t>
-                      </a:r>
-                      <a:r>
-                        <a:rPr lang="ko-KR" altLang="en-US" sz="800" dirty="0" smtClean="0"/>
-                        <a:t>자리 날짜</a:t>
-                      </a:r>
-                      <a:r>
-                        <a:rPr lang="en-US" altLang="ko-KR" sz="800" dirty="0" smtClean="0"/>
-                        <a:t>,</a:t>
-                      </a:r>
-                      <a:r>
-                        <a:rPr lang="ko-KR" altLang="en-US" sz="800" dirty="0" smtClean="0"/>
-                        <a:t>시간 출력</a:t>
+                        <a:t>출력</a:t>
                       </a:r>
                       <a:endParaRPr lang="en-US" altLang="ko-KR" sz="800" dirty="0" smtClean="0"/>
                     </a:p>
@@ -45884,11 +45896,7 @@
           <a:p>
             <a:r>
               <a:rPr lang="ko-KR" altLang="en-US" sz="800" dirty="0" smtClean="0"/>
-              <a:t>내가 사는 동네</a:t>
-            </a:r>
-            <a:r>
-              <a:rPr lang="ko-KR" altLang="en-US" sz="800" dirty="0" smtClean="0"/>
-              <a:t> </a:t>
+              <a:t>내가 사는 동네 </a:t>
             </a:r>
             <a:endParaRPr lang="ko-KR" altLang="en-US" sz="800" dirty="0"/>
           </a:p>
@@ -49476,11 +49484,7 @@
           <a:p>
             <a:r>
               <a:rPr lang="ko-KR" altLang="en-US" sz="800" dirty="0" smtClean="0"/>
-              <a:t>내가 사는 동네</a:t>
-            </a:r>
-            <a:r>
-              <a:rPr lang="ko-KR" altLang="en-US" sz="800" dirty="0" smtClean="0"/>
-              <a:t> </a:t>
+              <a:t>내가 사는 동네 </a:t>
             </a:r>
             <a:endParaRPr lang="ko-KR" altLang="en-US" sz="800" dirty="0"/>
           </a:p>
